--- a/Social Media Analysis Presentation.pptx
+++ b/Social Media Analysis Presentation.pptx
@@ -115,7 +115,18 @@
   </p:defaultTextStyle>
   <p:extLst>
     <p:ext uri="{EFAFB233-063F-42B5-8137-9DF3F51BA10A}">
-      <p15:sldGuideLst xmlns:p15="http://schemas.microsoft.com/office/powerpoint/2012/main"/>
+      <p15:sldGuideLst xmlns:p15="http://schemas.microsoft.com/office/powerpoint/2012/main">
+        <p15:guide id="1" orient="horz" pos="2160" userDrawn="1">
+          <p15:clr>
+            <a:srgbClr val="A4A3A4"/>
+          </p15:clr>
+        </p15:guide>
+        <p15:guide id="2" pos="3840" userDrawn="1">
+          <p15:clr>
+            <a:srgbClr val="A4A3A4"/>
+          </p15:clr>
+        </p15:guide>
+      </p15:sldGuideLst>
     </p:ext>
     <p:ext uri="{2D200454-40CA-4A62-9FC3-DE9A4176ACB9}">
       <p15:notesGuideLst xmlns:p15="http://schemas.microsoft.com/office/powerpoint/2012/main"/>
@@ -138,36 +149,19 @@
     </mc:Fallback>
   </mc:AlternateContent>
   <c:chart>
-    <c:title>
-      <c:overlay val="0"/>
-      <c:spPr>
-        <a:noFill/>
-        <a:ln>
-          <a:noFill/>
-        </a:ln>
-        <a:effectLst/>
-      </c:spPr>
-      <c:txPr>
-        <a:bodyPr rot="0" spcFirstLastPara="1" vertOverflow="ellipsis" vert="horz" wrap="square" anchor="ctr" anchorCtr="1"/>
-        <a:lstStyle/>
-        <a:p>
-          <a:pPr>
-            <a:defRPr sz="1862" b="0" i="0" u="none" strike="noStrike" kern="1200" spc="0" baseline="0">
-              <a:solidFill>
-                <a:schemeClr val="bg1"/>
-              </a:solidFill>
-              <a:latin typeface="+mn-lt"/>
-              <a:ea typeface="+mn-ea"/>
-              <a:cs typeface="+mn-cs"/>
-            </a:defRPr>
-          </a:pPr>
-          <a:endParaRPr lang="en-US"/>
-        </a:p>
-      </c:txPr>
-    </c:title>
-    <c:autoTitleDeleted val="0"/>
+    <c:autoTitleDeleted val="1"/>
     <c:plotArea>
-      <c:layout/>
+      <c:layout>
+        <c:manualLayout>
+          <c:layoutTarget val="inner"/>
+          <c:xMode val="edge"/>
+          <c:yMode val="edge"/>
+          <c:x val="0.37446143682201377"/>
+          <c:y val="8.9014899909803463E-2"/>
+          <c:w val="0.48117467516353846"/>
+          <c:h val="0.7171577648712788"/>
+        </c:manualLayout>
+      </c:layout>
       <c:doughnutChart>
         <c:varyColors val="1"/>
         <c:ser>
@@ -408,7 +402,7 @@
           <c:showBubbleSize val="0"/>
           <c:showLeaderLines val="1"/>
         </c:dLbls>
-        <c:firstSliceAng val="0"/>
+        <c:firstSliceAng val="60"/>
         <c:holeSize val="60"/>
       </c:doughnutChart>
       <c:spPr>
@@ -421,6 +415,16 @@
     </c:plotArea>
     <c:legend>
       <c:legendPos val="r"/>
+      <c:layout>
+        <c:manualLayout>
+          <c:xMode val="edge"/>
+          <c:yMode val="edge"/>
+          <c:x val="0.88097951931224383"/>
+          <c:y val="6.3612312539586074E-2"/>
+          <c:w val="0.10463938388728326"/>
+          <c:h val="0.33315821235801157"/>
+        </c:manualLayout>
+      </c:layout>
       <c:overlay val="1"/>
       <c:spPr>
         <a:noFill/>
@@ -500,6 +504,31 @@
   </mc:AlternateContent>
   <c:chart>
     <c:title>
+      <c:tx>
+        <c:rich>
+          <a:bodyPr rot="0" spcFirstLastPara="1" vertOverflow="ellipsis" vert="horz" wrap="square" anchor="ctr" anchorCtr="1"/>
+          <a:lstStyle/>
+          <a:p>
+            <a:pPr>
+              <a:defRPr sz="1862" b="0" i="0" u="none" strike="noStrike" kern="1200" spc="0" baseline="0">
+                <a:solidFill>
+                  <a:schemeClr val="tx1">
+                    <a:lumMod val="65000"/>
+                    <a:lumOff val="35000"/>
+                  </a:schemeClr>
+                </a:solidFill>
+                <a:latin typeface="+mn-lt"/>
+                <a:ea typeface="+mn-ea"/>
+                <a:cs typeface="+mn-cs"/>
+              </a:defRPr>
+            </a:pPr>
+            <a:r>
+              <a:rPr lang="en-ZA" dirty="0"/>
+              <a:t>Number Of Users Per Platform</a:t>
+            </a:r>
+          </a:p>
+        </c:rich>
+      </c:tx>
       <c:overlay val="0"/>
       <c:spPr>
         <a:noFill/>
@@ -531,9 +560,19 @@
     </c:title>
     <c:autoTitleDeleted val="0"/>
     <c:plotArea>
-      <c:layout/>
+      <c:layout>
+        <c:manualLayout>
+          <c:layoutTarget val="inner"/>
+          <c:xMode val="edge"/>
+          <c:yMode val="edge"/>
+          <c:x val="0.14892552737912232"/>
+          <c:y val="9.2150981127359088E-2"/>
+          <c:w val="0.85101646891598226"/>
+          <c:h val="0.83658960981529351"/>
+        </c:manualLayout>
+      </c:layout>
       <c:barChart>
-        <c:barDir val="col"/>
+        <c:barDir val="bar"/>
         <c:grouping val="stacked"/>
         <c:varyColors val="0"/>
         <c:ser>
@@ -545,14 +584,16 @@
               <c:strCache>
                 <c:ptCount val="1"/>
                 <c:pt idx="0">
-                  <c:v>Series 1</c:v>
+                  <c:v>No_Users</c:v>
                 </c:pt>
               </c:strCache>
             </c:strRef>
           </c:tx>
           <c:spPr>
             <a:solidFill>
-              <a:schemeClr val="accent1"/>
+              <a:srgbClr val="004568">
+                <a:alpha val="93000"/>
+              </a:srgbClr>
             </a:solidFill>
             <a:ln>
               <a:noFill/>
@@ -560,22 +601,76 @@
             <a:effectLst/>
           </c:spPr>
           <c:invertIfNegative val="0"/>
+          <c:dLbls>
+            <c:spPr>
+              <a:noFill/>
+              <a:ln>
+                <a:noFill/>
+              </a:ln>
+              <a:effectLst/>
+            </c:spPr>
+            <c:txPr>
+              <a:bodyPr rot="0" spcFirstLastPara="1" vertOverflow="ellipsis" vert="horz" wrap="square" lIns="38100" tIns="19050" rIns="38100" bIns="19050" anchor="ctr" anchorCtr="1">
+                <a:spAutoFit/>
+              </a:bodyPr>
+              <a:lstStyle/>
+              <a:p>
+                <a:pPr>
+                  <a:defRPr sz="1197" b="0" i="0" u="none" strike="noStrike" kern="1200" baseline="0">
+                    <a:solidFill>
+                      <a:schemeClr val="bg1"/>
+                    </a:solidFill>
+                    <a:latin typeface="+mn-lt"/>
+                    <a:ea typeface="+mn-ea"/>
+                    <a:cs typeface="+mn-cs"/>
+                  </a:defRPr>
+                </a:pPr>
+                <a:endParaRPr lang="en-US"/>
+              </a:p>
+            </c:txPr>
+            <c:showLegendKey val="0"/>
+            <c:showVal val="1"/>
+            <c:showCatName val="0"/>
+            <c:showSerName val="0"/>
+            <c:showPercent val="0"/>
+            <c:showBubbleSize val="0"/>
+            <c:showLeaderLines val="0"/>
+            <c:extLst>
+              <c:ext xmlns:c15="http://schemas.microsoft.com/office/drawing/2012/chart" uri="{CE6537A1-D6FC-4f65-9D91-7224C49458BB}">
+                <c15:showLeaderLines val="1"/>
+                <c15:leaderLines>
+                  <c:spPr>
+                    <a:ln w="9525" cap="flat" cmpd="sng" algn="ctr">
+                      <a:solidFill>
+                        <a:schemeClr val="tx1">
+                          <a:lumMod val="35000"/>
+                          <a:lumOff val="65000"/>
+                        </a:schemeClr>
+                      </a:solidFill>
+                      <a:round/>
+                    </a:ln>
+                    <a:effectLst/>
+                  </c:spPr>
+                </c15:leaderLines>
+              </c:ext>
+            </c:extLst>
+          </c:dLbls>
           <c:cat>
             <c:strRef>
               <c:f>Sheet1!$A$2:$A$5</c:f>
               <c:strCache>
                 <c:ptCount val="4"/>
                 <c:pt idx="0">
-                  <c:v>Category 1</c:v>
+                  <c:v>Facebook</c:v>
                 </c:pt>
                 <c:pt idx="1">
-                  <c:v>Category 2</c:v>
+                  <c:v>Instagram</c:v>
                 </c:pt>
                 <c:pt idx="2">
-                  <c:v>Category 3</c:v>
+                  <c:v>TikTok</c:v>
                 </c:pt>
                 <c:pt idx="3">
-                  <c:v>Category 4</c:v>
+                  <c:v>YouTube</c:v>
                 </c:pt>
               </c:strCache>
             </c:strRef>
@@ -587,16 +682,16 @@
                 <c:formatCode>General</c:formatCode>
                 <c:ptCount val="4"/>
                 <c:pt idx="0">
-                  <c:v>4.3</c:v>
+                  <c:v>221</c:v>
                 </c:pt>
                 <c:pt idx="1">
-                  <c:v>2.5</c:v>
+                  <c:v>256</c:v>
                 </c:pt>
                 <c:pt idx="2">
-                  <c:v>3.5</c:v>
+                  <c:v>273</c:v>
                 </c:pt>
                 <c:pt idx="3">
-                  <c:v>4.5</c:v>
+                  <c:v>250</c:v>
                 </c:pt>
               </c:numCache>
             </c:numRef>
@@ -616,7 +711,7 @@
               <c:strCache>
                 <c:ptCount val="1"/>
                 <c:pt idx="0">
-                  <c:v>Series 2</c:v>
+                  <c:v>Column1</c:v>
                 </c:pt>
               </c:strCache>
             </c:strRef>
@@ -631,22 +726,79 @@
             <a:effectLst/>
           </c:spPr>
           <c:invertIfNegative val="0"/>
+          <c:dLbls>
+            <c:spPr>
+              <a:noFill/>
+              <a:ln>
+                <a:noFill/>
+              </a:ln>
+              <a:effectLst/>
+            </c:spPr>
+            <c:txPr>
+              <a:bodyPr rot="0" spcFirstLastPara="1" vertOverflow="ellipsis" vert="horz" wrap="square" lIns="38100" tIns="19050" rIns="38100" bIns="19050" anchor="ctr" anchorCtr="1">
+                <a:spAutoFit/>
+              </a:bodyPr>
+              <a:lstStyle/>
+              <a:p>
+                <a:pPr>
+                  <a:defRPr sz="1197" b="0" i="0" u="none" strike="noStrike" kern="1200" baseline="0">
+                    <a:solidFill>
+                      <a:schemeClr val="tx1">
+                        <a:lumMod val="75000"/>
+                        <a:lumOff val="25000"/>
+                      </a:schemeClr>
+                    </a:solidFill>
+                    <a:latin typeface="+mn-lt"/>
+                    <a:ea typeface="+mn-ea"/>
+                    <a:cs typeface="+mn-cs"/>
+                  </a:defRPr>
+                </a:pPr>
+                <a:endParaRPr lang="en-US"/>
+              </a:p>
+            </c:txPr>
+            <c:showLegendKey val="0"/>
+            <c:showVal val="1"/>
+            <c:showCatName val="0"/>
+            <c:showSerName val="0"/>
+            <c:showPercent val="0"/>
+            <c:showBubbleSize val="0"/>
+            <c:showLeaderLines val="0"/>
+            <c:extLst>
+              <c:ext xmlns:c15="http://schemas.microsoft.com/office/drawing/2012/chart" uri="{CE6537A1-D6FC-4f65-9D91-7224C49458BB}">
+                <c15:showLeaderLines val="1"/>
+                <c15:leaderLines>
+                  <c:spPr>
+                    <a:ln w="9525" cap="flat" cmpd="sng" algn="ctr">
+                      <a:solidFill>
+                        <a:schemeClr val="tx1">
+                          <a:lumMod val="35000"/>
+                          <a:lumOff val="65000"/>
+                        </a:schemeClr>
+                      </a:solidFill>
+                      <a:round/>
+                    </a:ln>
+                    <a:effectLst/>
+                  </c:spPr>
+                </c15:leaderLines>
+              </c:ext>
+            </c:extLst>
+          </c:dLbls>
           <c:cat>
             <c:strRef>
               <c:f>Sheet1!$A$2:$A$5</c:f>
               <c:strCache>
                 <c:ptCount val="4"/>
                 <c:pt idx="0">
-                  <c:v>Category 1</c:v>
+                  <c:v>Facebook</c:v>
                 </c:pt>
                 <c:pt idx="1">
-                  <c:v>Category 2</c:v>
+                  <c:v>Instagram</c:v>
                 </c:pt>
                 <c:pt idx="2">
-                  <c:v>Category 3</c:v>
+                  <c:v>TikTok</c:v>
                 </c:pt>
                 <c:pt idx="3">
-                  <c:v>Category 4</c:v>
+                  <c:v>YouTube</c:v>
                 </c:pt>
               </c:strCache>
             </c:strRef>
@@ -657,18 +809,6 @@
               <c:numCache>
                 <c:formatCode>General</c:formatCode>
                 <c:ptCount val="4"/>
-                <c:pt idx="0">
-                  <c:v>2.4</c:v>
-                </c:pt>
-                <c:pt idx="1">
-                  <c:v>4.4000000000000004</c:v>
-                </c:pt>
-                <c:pt idx="2">
-                  <c:v>1.8</c:v>
-                </c:pt>
-                <c:pt idx="3">
-                  <c:v>2.8</c:v>
-                </c:pt>
               </c:numCache>
             </c:numRef>
           </c:val>
@@ -687,7 +827,7 @@
               <c:strCache>
                 <c:ptCount val="1"/>
                 <c:pt idx="0">
-                  <c:v>Series 3</c:v>
+                  <c:v> 2</c:v>
                 </c:pt>
               </c:strCache>
             </c:strRef>
@@ -702,22 +842,79 @@
             <a:effectLst/>
           </c:spPr>
           <c:invertIfNegative val="0"/>
+          <c:dLbls>
+            <c:spPr>
+              <a:noFill/>
+              <a:ln>
+                <a:noFill/>
+              </a:ln>
+              <a:effectLst/>
+            </c:spPr>
+            <c:txPr>
+              <a:bodyPr rot="0" spcFirstLastPara="1" vertOverflow="ellipsis" vert="horz" wrap="square" lIns="38100" tIns="19050" rIns="38100" bIns="19050" anchor="ctr" anchorCtr="1">
+                <a:spAutoFit/>
+              </a:bodyPr>
+              <a:lstStyle/>
+              <a:p>
+                <a:pPr>
+                  <a:defRPr sz="1197" b="0" i="0" u="none" strike="noStrike" kern="1200" baseline="0">
+                    <a:solidFill>
+                      <a:schemeClr val="tx1">
+                        <a:lumMod val="75000"/>
+                        <a:lumOff val="25000"/>
+                      </a:schemeClr>
+                    </a:solidFill>
+                    <a:latin typeface="+mn-lt"/>
+                    <a:ea typeface="+mn-ea"/>
+                    <a:cs typeface="+mn-cs"/>
+                  </a:defRPr>
+                </a:pPr>
+                <a:endParaRPr lang="en-US"/>
+              </a:p>
+            </c:txPr>
+            <c:showLegendKey val="0"/>
+            <c:showVal val="1"/>
+            <c:showCatName val="0"/>
+            <c:showSerName val="0"/>
+            <c:showPercent val="0"/>
+            <c:showBubbleSize val="0"/>
+            <c:showLeaderLines val="0"/>
+            <c:extLst>
+              <c:ext xmlns:c15="http://schemas.microsoft.com/office/drawing/2012/chart" uri="{CE6537A1-D6FC-4f65-9D91-7224C49458BB}">
+                <c15:showLeaderLines val="1"/>
+                <c15:leaderLines>
+                  <c:spPr>
+                    <a:ln w="9525" cap="flat" cmpd="sng" algn="ctr">
+                      <a:solidFill>
+                        <a:schemeClr val="tx1">
+                          <a:lumMod val="35000"/>
+                          <a:lumOff val="65000"/>
+                        </a:schemeClr>
+                      </a:solidFill>
+                      <a:round/>
+                    </a:ln>
+                    <a:effectLst/>
+                  </c:spPr>
+                </c15:leaderLines>
+              </c:ext>
+            </c:extLst>
+          </c:dLbls>
           <c:cat>
             <c:strRef>
               <c:f>Sheet1!$A$2:$A$5</c:f>
               <c:strCache>
                 <c:ptCount val="4"/>
                 <c:pt idx="0">
-                  <c:v>Category 1</c:v>
+                  <c:v>Facebook</c:v>
                 </c:pt>
                 <c:pt idx="1">
-                  <c:v>Category 2</c:v>
+                  <c:v>Instagram</c:v>
                 </c:pt>
                 <c:pt idx="2">
-                  <c:v>Category 3</c:v>
+                  <c:v>TikTok</c:v>
                 </c:pt>
                 <c:pt idx="3">
-                  <c:v>Category 4</c:v>
+                  <c:v>YouTube</c:v>
                 </c:pt>
               </c:strCache>
             </c:strRef>
@@ -728,18 +925,6 @@
               <c:numCache>
                 <c:formatCode>General</c:formatCode>
                 <c:ptCount val="4"/>
-                <c:pt idx="0">
-                  <c:v>2</c:v>
-                </c:pt>
-                <c:pt idx="1">
-                  <c:v>2</c:v>
-                </c:pt>
-                <c:pt idx="2">
-                  <c:v>3</c:v>
-                </c:pt>
-                <c:pt idx="3">
-                  <c:v>5</c:v>
-                </c:pt>
               </c:numCache>
             </c:numRef>
           </c:val>
@@ -751,13 +936,13 @@
         </c:ser>
         <c:dLbls>
           <c:showLegendKey val="0"/>
-          <c:showVal val="0"/>
+          <c:showVal val="1"/>
           <c:showCatName val="0"/>
           <c:showSerName val="0"/>
           <c:showPercent val="0"/>
           <c:showBubbleSize val="0"/>
         </c:dLbls>
-        <c:gapWidth val="55"/>
+        <c:gapWidth val="75"/>
         <c:overlap val="100"/>
         <c:axId val="1781837999"/>
         <c:axId val="1781837519"/>
@@ -767,45 +952,12 @@
         <c:scaling>
           <c:orientation val="minMax"/>
         </c:scaling>
-        <c:delete val="0"/>
-        <c:axPos val="b"/>
+        <c:delete val="1"/>
+        <c:axPos val="l"/>
         <c:numFmt formatCode="General" sourceLinked="1"/>
         <c:majorTickMark val="none"/>
         <c:minorTickMark val="none"/>
         <c:tickLblPos val="nextTo"/>
-        <c:spPr>
-          <a:noFill/>
-          <a:ln w="9525" cap="flat" cmpd="sng" algn="ctr">
-            <a:solidFill>
-              <a:schemeClr val="tx1">
-                <a:lumMod val="15000"/>
-                <a:lumOff val="85000"/>
-              </a:schemeClr>
-            </a:solidFill>
-            <a:round/>
-          </a:ln>
-          <a:effectLst/>
-        </c:spPr>
-        <c:txPr>
-          <a:bodyPr rot="-60000000" spcFirstLastPara="1" vertOverflow="ellipsis" vert="horz" wrap="square" anchor="ctr" anchorCtr="1"/>
-          <a:lstStyle/>
-          <a:p>
-            <a:pPr>
-              <a:defRPr sz="1197" b="0" i="0" u="none" strike="noStrike" kern="1200" baseline="0">
-                <a:solidFill>
-                  <a:schemeClr val="tx1">
-                    <a:lumMod val="65000"/>
-                    <a:lumOff val="35000"/>
-                  </a:schemeClr>
-                </a:solidFill>
-                <a:latin typeface="+mn-lt"/>
-                <a:ea typeface="+mn-ea"/>
-                <a:cs typeface="+mn-cs"/>
-              </a:defRPr>
-            </a:pPr>
-            <a:endParaRPr lang="en-US"/>
-          </a:p>
-        </c:txPr>
         <c:crossAx val="1781837519"/>
         <c:crosses val="autoZero"/>
         <c:auto val="1"/>
@@ -818,100 +970,24 @@
         <c:scaling>
           <c:orientation val="minMax"/>
         </c:scaling>
-        <c:delete val="0"/>
-        <c:axPos val="l"/>
-        <c:majorGridlines>
-          <c:spPr>
-            <a:ln w="9525" cap="flat" cmpd="sng" algn="ctr">
-              <a:solidFill>
-                <a:schemeClr val="tx1">
-                  <a:lumMod val="15000"/>
-                  <a:lumOff val="85000"/>
-                </a:schemeClr>
-              </a:solidFill>
-              <a:round/>
-            </a:ln>
-            <a:effectLst/>
-          </c:spPr>
-        </c:majorGridlines>
+        <c:delete val="1"/>
+        <c:axPos val="b"/>
         <c:numFmt formatCode="General" sourceLinked="1"/>
         <c:majorTickMark val="none"/>
         <c:minorTickMark val="none"/>
         <c:tickLblPos val="nextTo"/>
-        <c:spPr>
-          <a:noFill/>
-          <a:ln>
-            <a:noFill/>
-          </a:ln>
-          <a:effectLst/>
-        </c:spPr>
-        <c:txPr>
-          <a:bodyPr rot="-60000000" spcFirstLastPara="1" vertOverflow="ellipsis" vert="horz" wrap="square" anchor="ctr" anchorCtr="1"/>
-          <a:lstStyle/>
-          <a:p>
-            <a:pPr>
-              <a:defRPr sz="1197" b="0" i="0" u="none" strike="noStrike" kern="1200" baseline="0">
-                <a:solidFill>
-                  <a:schemeClr val="tx1">
-                    <a:lumMod val="65000"/>
-                    <a:lumOff val="35000"/>
-                  </a:schemeClr>
-                </a:solidFill>
-                <a:latin typeface="+mn-lt"/>
-                <a:ea typeface="+mn-ea"/>
-                <a:cs typeface="+mn-cs"/>
-              </a:defRPr>
-            </a:pPr>
-            <a:endParaRPr lang="en-US"/>
-          </a:p>
-        </c:txPr>
         <c:crossAx val="1781837999"/>
         <c:crosses val="autoZero"/>
         <c:crossBetween val="between"/>
       </c:valAx>
       <c:spPr>
         <a:noFill/>
-        <a:ln>
+        <a:ln w="25400">
           <a:noFill/>
         </a:ln>
         <a:effectLst/>
       </c:spPr>
     </c:plotArea>
-    <c:legend>
-      <c:legendPos val="r"/>
-      <c:overlay val="0"/>
-      <c:spPr>
-        <a:noFill/>
-        <a:ln>
-          <a:solidFill>
-            <a:schemeClr val="tx1">
-              <a:alpha val="94000"/>
-            </a:schemeClr>
-          </a:solidFill>
-        </a:ln>
-        <a:effectLst/>
-      </c:spPr>
-      <c:txPr>
-        <a:bodyPr rot="0" spcFirstLastPara="1" vertOverflow="ellipsis" vert="horz" wrap="square" anchor="ctr" anchorCtr="1"/>
-        <a:lstStyle/>
-        <a:p>
-          <a:pPr>
-            <a:defRPr sz="1197" b="0" i="0" u="none" strike="noStrike" kern="1200" baseline="0">
-              <a:solidFill>
-                <a:schemeClr val="tx1">
-                  <a:lumMod val="65000"/>
-                  <a:lumOff val="35000"/>
-                </a:schemeClr>
-              </a:solidFill>
-              <a:latin typeface="+mn-lt"/>
-              <a:ea typeface="+mn-ea"/>
-              <a:cs typeface="+mn-cs"/>
-            </a:defRPr>
-          </a:pPr>
-          <a:endParaRPr lang="en-US"/>
-        </a:p>
-      </c:txPr>
-    </c:legend>
     <c:plotVisOnly val="1"/>
     <c:dispBlanksAs val="gap"/>
     <c:extLst>
@@ -3490,7 +3566,7 @@
           <a:p>
             <a:fld id="{7CCA049B-3A46-4BDA-A8F5-2925B00FE570}" type="datetimeFigureOut">
               <a:rPr lang="en-US" smtClean="0"/>
-              <a:t>9/12/2024</a:t>
+              <a:t>9/13/2024</a:t>
             </a:fld>
             <a:endParaRPr lang="en-US"/>
           </a:p>
@@ -3655,7 +3731,7 @@
           <a:p>
             <a:fld id="{44C46CEC-428A-4DD0-A7C7-21AF8DE33E93}" type="datetimeFigureOut">
               <a:rPr lang="en-US" smtClean="0"/>
-              <a:t>9/12/2024</a:t>
+              <a:t>9/13/2024</a:t>
             </a:fld>
             <a:endParaRPr lang="en-US"/>
           </a:p>
@@ -5269,7 +5345,12 @@
             <p:ph type="title" idx="4294967295"/>
           </p:nvPr>
         </p:nvSpPr>
-        <p:spPr/>
+        <p:spPr>
+          <a:xfrm>
+            <a:off x="0" y="0"/>
+            <a:ext cx="12192000" cy="1050758"/>
+          </a:xfrm>
+        </p:spPr>
         <p:txBody>
           <a:bodyPr/>
           <a:lstStyle/>
@@ -5283,7 +5364,7 @@
       </p:sp>
       <p:sp>
         <p:nvSpPr>
-          <p:cNvPr id="3" name="Slide Number Placeholder 2">
+          <p:cNvPr id="3" name="Slide Number Placeholder 2" hidden="1">
             <a:extLst>
               <a:ext uri="{FF2B5EF4-FFF2-40B4-BE49-F238E27FC236}">
                 <a16:creationId xmlns:a16="http://schemas.microsoft.com/office/drawing/2014/main" id="{ADB6BD68-6009-4080-968E-8BD019E938BF}"/>
@@ -5294,16 +5375,31 @@
             <a:spLocks noGrp="1"/>
           </p:cNvSpPr>
           <p:nvPr>
-            <p:ph type="sldNum" sz="quarter" idx="12"/>
+            <p:ph type="sldNum" sz="quarter" idx="4294967295"/>
           </p:nvPr>
         </p:nvSpPr>
-        <p:spPr/>
+        <p:spPr>
+          <a:xfrm>
+            <a:off x="9448800" y="6316663"/>
+            <a:ext cx="2743200" cy="365125"/>
+          </a:xfrm>
+        </p:spPr>
         <p:txBody>
           <a:bodyPr/>
           <a:lstStyle/>
           <a:p>
+            <a:pPr>
+              <a:spcAft>
+                <a:spcPts val="600"/>
+              </a:spcAft>
+            </a:pPr>
             <a:fld id="{5AE1514C-5E56-4738-A1FF-4B1CFD2A3E36}" type="slidenum">
               <a:rPr lang="en-US" smtClean="0"/>
+              <a:pPr>
+                <a:spcAft>
+                  <a:spcPts val="600"/>
+                </a:spcAft>
+              </a:pPr>
               <a:t>1</a:t>
             </a:fld>
             <a:endParaRPr lang="en-US"/>
@@ -5392,7 +5488,7 @@
           <p:nvPr>
             <p:extLst>
               <p:ext uri="{D42A27DB-BD31-4B8C-83A1-F6EECF244321}">
-                <p14:modId xmlns:p14="http://schemas.microsoft.com/office/powerpoint/2010/main" val="2950245519"/>
+                <p14:modId xmlns:p14="http://schemas.microsoft.com/office/powerpoint/2010/main" val="1370691942"/>
               </p:ext>
             </p:extLst>
           </p:nvPr>
@@ -5422,9 +5518,9 @@
           <p:nvPr/>
         </p:nvCxnSpPr>
         <p:spPr>
-          <a:xfrm flipH="1">
-            <a:off x="6981825" y="4048125"/>
-            <a:ext cx="714375" cy="542925"/>
+          <a:xfrm flipH="1" flipV="1">
+            <a:off x="7705725" y="1866900"/>
+            <a:ext cx="733425" cy="95250"/>
           </a:xfrm>
           <a:prstGeom prst="straightConnector1">
             <a:avLst/>
@@ -5433,6 +5529,7 @@
             <a:solidFill>
               <a:schemeClr val="tx1"/>
             </a:solidFill>
+            <a:prstDash val="sysDash"/>
             <a:tailEnd type="triangle"/>
           </a:ln>
         </p:spPr>
@@ -5465,7 +5562,7 @@
         </p:nvSpPr>
         <p:spPr>
           <a:xfrm>
-            <a:off x="5448300" y="4705350"/>
+            <a:off x="4914900" y="1276350"/>
             <a:ext cx="2905125" cy="923330"/>
           </a:xfrm>
           <a:prstGeom prst="rect">
@@ -5479,10 +5576,57 @@
           </a:bodyPr>
           <a:lstStyle/>
           <a:p>
+            <a:pPr algn="ctr"/>
             <a:r>
               <a:rPr lang="en-ZA" dirty="0"/>
               <a:t>23.7% of users fall between 44-55 years old age group</a:t>
             </a:r>
+          </a:p>
+        </p:txBody>
+      </p:sp>
+      <p:sp>
+        <p:nvSpPr>
+          <p:cNvPr id="5" name="TextBox 4">
+            <a:extLst>
+              <a:ext uri="{FF2B5EF4-FFF2-40B4-BE49-F238E27FC236}">
+                <a16:creationId xmlns:a16="http://schemas.microsoft.com/office/drawing/2014/main" id="{1F88541E-087F-81EA-D3CF-CD020BD92DF2}"/>
+              </a:ext>
+            </a:extLst>
+          </p:cNvPr>
+          <p:cNvSpPr txBox="1"/>
+          <p:nvPr/>
+        </p:nvSpPr>
+        <p:spPr>
+          <a:xfrm>
+            <a:off x="381001" y="3400425"/>
+            <a:ext cx="5543550" cy="923330"/>
+          </a:xfrm>
+          <a:prstGeom prst="rect">
+            <a:avLst/>
+          </a:prstGeom>
+          <a:noFill/>
+        </p:spPr>
+        <p:txBody>
+          <a:bodyPr wrap="square" rtlCol="0">
+            <a:spAutoFit/>
+          </a:bodyPr>
+          <a:lstStyle/>
+          <a:p>
+            <a:pPr marL="285750" indent="-285750">
+              <a:buFont typeface="Arial" panose="020B0604020202020204" pitchFamily="34" charset="0"/>
+              <a:buChar char="•"/>
+            </a:pPr>
+            <a:r>
+              <a:rPr lang="en-ZA" dirty="0"/>
+              <a:t>Marketing efforts should be aimed at users between the ages of 44-55 years old.</a:t>
+            </a:r>
+          </a:p>
+          <a:p>
+            <a:pPr marL="285750" indent="-285750">
+              <a:buFont typeface="Arial" panose="020B0604020202020204" pitchFamily="34" charset="0"/>
+              <a:buChar char="•"/>
+            </a:pPr>
+            <a:endParaRPr lang="en-ZA" dirty="0"/>
           </a:p>
         </p:txBody>
       </p:sp>
@@ -5540,7 +5684,10 @@
           <a:bodyPr/>
           <a:lstStyle/>
           <a:p>
-            <a:endParaRPr lang="en-ZA"/>
+            <a:r>
+              <a:rPr lang="en-ZA" dirty="0"/>
+              <a:t>Users By Platform</a:t>
+            </a:r>
           </a:p>
         </p:txBody>
       </p:sp>
@@ -5557,14 +5704,14 @@
           <p:nvPr>
             <p:extLst>
               <p:ext uri="{D42A27DB-BD31-4B8C-83A1-F6EECF244321}">
-                <p14:modId xmlns:p14="http://schemas.microsoft.com/office/powerpoint/2010/main" val="287502433"/>
+                <p14:modId xmlns:p14="http://schemas.microsoft.com/office/powerpoint/2010/main" val="4155998856"/>
               </p:ext>
             </p:extLst>
           </p:nvPr>
         </p:nvGraphicFramePr>
         <p:xfrm>
-          <a:off x="1460500" y="729191"/>
-          <a:ext cx="7178675" cy="5576359"/>
+          <a:off x="114300" y="2324100"/>
+          <a:ext cx="6391275" cy="4000500"/>
         </p:xfrm>
         <a:graphic>
           <a:graphicData uri="http://schemas.openxmlformats.org/drawingml/2006/chart">
@@ -5572,6 +5719,231 @@
           </a:graphicData>
         </a:graphic>
       </p:graphicFrame>
+      <p:pic>
+        <p:nvPicPr>
+          <p:cNvPr id="4" name="Picture 3" descr="A red and white play button&#10;&#10;Description automatically generated">
+            <a:extLst>
+              <a:ext uri="{FF2B5EF4-FFF2-40B4-BE49-F238E27FC236}">
+                <a16:creationId xmlns:a16="http://schemas.microsoft.com/office/drawing/2014/main" id="{BF8DF473-5B85-B4AE-2153-AB73B70C1D53}"/>
+              </a:ext>
+            </a:extLst>
+          </p:cNvPr>
+          <p:cNvPicPr>
+            <a:picLocks noChangeAspect="1"/>
+          </p:cNvPicPr>
+          <p:nvPr/>
+        </p:nvPicPr>
+        <p:blipFill>
+          <a:blip r:embed="rId3">
+            <a:extLst>
+              <a:ext uri="{28A0092B-C50C-407E-A947-70E740481C1C}">
+                <a14:useLocalDpi xmlns:a14="http://schemas.microsoft.com/office/drawing/2010/main" val="0"/>
+              </a:ext>
+            </a:extLst>
+          </a:blip>
+          <a:stretch>
+            <a:fillRect/>
+          </a:stretch>
+        </p:blipFill>
+        <p:spPr>
+          <a:xfrm flipV="1">
+            <a:off x="333374" y="2771773"/>
+            <a:ext cx="609601" cy="717177"/>
+          </a:xfrm>
+          <a:prstGeom prst="rect">
+            <a:avLst/>
+          </a:prstGeom>
+        </p:spPr>
+      </p:pic>
+      <p:pic>
+        <p:nvPicPr>
+          <p:cNvPr id="7" name="Picture 6" descr="A logo of a camera&#10;&#10;Description automatically generated">
+            <a:extLst>
+              <a:ext uri="{FF2B5EF4-FFF2-40B4-BE49-F238E27FC236}">
+                <a16:creationId xmlns:a16="http://schemas.microsoft.com/office/drawing/2014/main" id="{FE4A19B3-DF90-365B-F892-02653C750B04}"/>
+              </a:ext>
+            </a:extLst>
+          </p:cNvPr>
+          <p:cNvPicPr>
+            <a:picLocks noChangeAspect="1"/>
+          </p:cNvPicPr>
+          <p:nvPr/>
+        </p:nvPicPr>
+        <p:blipFill>
+          <a:blip r:embed="rId4">
+            <a:extLst>
+              <a:ext uri="{28A0092B-C50C-407E-A947-70E740481C1C}">
+                <a14:useLocalDpi xmlns:a14="http://schemas.microsoft.com/office/drawing/2010/main" val="0"/>
+              </a:ext>
+            </a:extLst>
+          </a:blip>
+          <a:stretch>
+            <a:fillRect/>
+          </a:stretch>
+        </p:blipFill>
+        <p:spPr>
+          <a:xfrm>
+            <a:off x="390525" y="4486275"/>
+            <a:ext cx="581025" cy="581025"/>
+          </a:xfrm>
+          <a:prstGeom prst="rect">
+            <a:avLst/>
+          </a:prstGeom>
+        </p:spPr>
+      </p:pic>
+      <p:pic>
+        <p:nvPicPr>
+          <p:cNvPr id="9" name="Picture 8" descr="A colorful logo on a black background&#10;&#10;Description automatically generated">
+            <a:extLst>
+              <a:ext uri="{FF2B5EF4-FFF2-40B4-BE49-F238E27FC236}">
+                <a16:creationId xmlns:a16="http://schemas.microsoft.com/office/drawing/2014/main" id="{4295D441-F482-6280-FB64-74BE0B9B8500}"/>
+              </a:ext>
+            </a:extLst>
+          </p:cNvPr>
+          <p:cNvPicPr>
+            <a:picLocks noChangeAspect="1"/>
+          </p:cNvPicPr>
+          <p:nvPr/>
+        </p:nvPicPr>
+        <p:blipFill>
+          <a:blip r:embed="rId5">
+            <a:extLst>
+              <a:ext uri="{28A0092B-C50C-407E-A947-70E740481C1C}">
+                <a14:useLocalDpi xmlns:a14="http://schemas.microsoft.com/office/drawing/2010/main" val="0"/>
+              </a:ext>
+            </a:extLst>
+          </a:blip>
+          <a:stretch>
+            <a:fillRect/>
+          </a:stretch>
+        </p:blipFill>
+        <p:spPr>
+          <a:xfrm>
+            <a:off x="329007" y="3673034"/>
+            <a:ext cx="596408" cy="537016"/>
+          </a:xfrm>
+          <a:prstGeom prst="rect">
+            <a:avLst/>
+          </a:prstGeom>
+        </p:spPr>
+      </p:pic>
+      <p:pic>
+        <p:nvPicPr>
+          <p:cNvPr id="11" name="Picture 10" descr="A blue square with a white letter f&#10;&#10;Description automatically generated">
+            <a:extLst>
+              <a:ext uri="{FF2B5EF4-FFF2-40B4-BE49-F238E27FC236}">
+                <a16:creationId xmlns:a16="http://schemas.microsoft.com/office/drawing/2014/main" id="{61CD9E49-8D6B-860E-64D7-8575D046F498}"/>
+              </a:ext>
+            </a:extLst>
+          </p:cNvPr>
+          <p:cNvPicPr>
+            <a:picLocks noChangeAspect="1"/>
+          </p:cNvPicPr>
+          <p:nvPr/>
+        </p:nvPicPr>
+        <p:blipFill>
+          <a:blip r:embed="rId6">
+            <a:extLst>
+              <a:ext uri="{28A0092B-C50C-407E-A947-70E740481C1C}">
+                <a14:useLocalDpi xmlns:a14="http://schemas.microsoft.com/office/drawing/2010/main" val="0"/>
+              </a:ext>
+            </a:extLst>
+          </a:blip>
+          <a:stretch>
+            <a:fillRect/>
+          </a:stretch>
+        </p:blipFill>
+        <p:spPr>
+          <a:xfrm>
+            <a:off x="400051" y="5334001"/>
+            <a:ext cx="523874" cy="523874"/>
+          </a:xfrm>
+          <a:prstGeom prst="rect">
+            <a:avLst/>
+          </a:prstGeom>
+        </p:spPr>
+      </p:pic>
+      <p:cxnSp>
+        <p:nvCxnSpPr>
+          <p:cNvPr id="12" name="Straight Arrow Connector 11">
+            <a:extLst>
+              <a:ext uri="{FF2B5EF4-FFF2-40B4-BE49-F238E27FC236}">
+                <a16:creationId xmlns:a16="http://schemas.microsoft.com/office/drawing/2014/main" id="{8922DAEB-1726-AF29-3067-8C61A7932F1E}"/>
+              </a:ext>
+            </a:extLst>
+          </p:cNvPr>
+          <p:cNvCxnSpPr>
+            <a:cxnSpLocks/>
+          </p:cNvCxnSpPr>
+          <p:nvPr/>
+        </p:nvCxnSpPr>
+        <p:spPr>
+          <a:xfrm flipV="1">
+            <a:off x="6181725" y="3524250"/>
+            <a:ext cx="657225" cy="371475"/>
+          </a:xfrm>
+          <a:prstGeom prst="straightConnector1">
+            <a:avLst/>
+          </a:prstGeom>
+          <a:ln w="38100">
+            <a:solidFill>
+              <a:schemeClr val="tx1"/>
+            </a:solidFill>
+            <a:prstDash val="sysDash"/>
+            <a:tailEnd type="triangle"/>
+          </a:ln>
+        </p:spPr>
+        <p:style>
+          <a:lnRef idx="1">
+            <a:schemeClr val="accent1"/>
+          </a:lnRef>
+          <a:fillRef idx="0">
+            <a:schemeClr val="accent1"/>
+          </a:fillRef>
+          <a:effectRef idx="0">
+            <a:schemeClr val="accent1"/>
+          </a:effectRef>
+          <a:fontRef idx="minor">
+            <a:schemeClr val="tx1"/>
+          </a:fontRef>
+        </p:style>
+      </p:cxnSp>
+      <p:sp>
+        <p:nvSpPr>
+          <p:cNvPr id="16" name="TextBox 15">
+            <a:extLst>
+              <a:ext uri="{FF2B5EF4-FFF2-40B4-BE49-F238E27FC236}">
+                <a16:creationId xmlns:a16="http://schemas.microsoft.com/office/drawing/2014/main" id="{41D49FC4-5EA3-F684-324E-2C06AD5423B7}"/>
+              </a:ext>
+            </a:extLst>
+          </p:cNvPr>
+          <p:cNvSpPr txBox="1"/>
+          <p:nvPr/>
+        </p:nvSpPr>
+        <p:spPr>
+          <a:xfrm>
+            <a:off x="6953250" y="2895600"/>
+            <a:ext cx="2905125" cy="738664"/>
+          </a:xfrm>
+          <a:prstGeom prst="rect">
+            <a:avLst/>
+          </a:prstGeom>
+          <a:noFill/>
+        </p:spPr>
+        <p:txBody>
+          <a:bodyPr wrap="square" rtlCol="0">
+            <a:spAutoFit/>
+          </a:bodyPr>
+          <a:lstStyle/>
+          <a:p>
+            <a:pPr algn="ctr"/>
+            <a:r>
+              <a:rPr lang="en-ZA" sz="1400" dirty="0"/>
+              <a:t>Most users are active on TikTok so special effort should be made to post content on this platform.</a:t>
+            </a:r>
+          </a:p>
+        </p:txBody>
+      </p:sp>
     </p:spTree>
     <p:extLst>
       <p:ext uri="{BB962C8B-B14F-4D97-AF65-F5344CB8AC3E}">
